--- a/Apresentacao_Angular_Best_Practices.pptx
+++ b/Apresentacao_Angular_Best_Practices.pptx
@@ -5409,25 +5409,7 @@
                   </a:extLst>
                 </a:hlinkClick>
               </a:rPr>
-              <a:t>https://github.com/rocketseat-experts-club/angular-highcharts-2021-11-30/tree</a:t>
-            </a:r>
-            <a:r>
-              <a:rPr lang="pt-BR" b="0">
-                <a:solidFill>
-                  <a:srgbClr val="D73628"/>
-                </a:solidFill>
-                <a:effectLst/>
-                <a:latin typeface="Roboto" panose="02000000000000000000" pitchFamily="2" charset="0"/>
-                <a:ea typeface="Roboto" panose="02000000000000000000" pitchFamily="2" charset="0"/>
-                <a:hlinkClick r:id="rId3">
-                  <a:extLst>
-                    <a:ext uri="{A12FA001-AC4F-418D-AE19-62706E023703}">
-                      <ahyp:hlinkClr xmlns:ahyp="http://schemas.microsoft.com/office/drawing/2018/hyperlinkcolor" val="tx"/>
-                    </a:ext>
-                  </a:extLst>
-                </a:hlinkClick>
-              </a:rPr>
-              <a:t>/template</a:t>
+              <a:t>https://github.com/rocketseat-experts-club/angular-best-practices-2022-01-15/tree/template</a:t>
             </a:r>
             <a:endParaRPr lang="pt-BR" b="0" dirty="0">
               <a:solidFill>

--- a/Apresentacao_Angular_Best_Practices.pptx
+++ b/Apresentacao_Angular_Best_Practices.pptx
@@ -5,7 +5,7 @@
     <p:sldMasterId id="2147483654" r:id="rId1"/>
   </p:sldMasterIdLst>
   <p:notesMasterIdLst>
-    <p:notesMasterId r:id="rId9"/>
+    <p:notesMasterId r:id="rId10"/>
   </p:notesMasterIdLst>
   <p:sldIdLst>
     <p:sldId id="256" r:id="rId2"/>
@@ -13,25 +13,26 @@
     <p:sldId id="258" r:id="rId4"/>
     <p:sldId id="259" r:id="rId5"/>
     <p:sldId id="261" r:id="rId6"/>
-    <p:sldId id="278" r:id="rId7"/>
-    <p:sldId id="260" r:id="rId8"/>
+    <p:sldId id="279" r:id="rId7"/>
+    <p:sldId id="278" r:id="rId8"/>
+    <p:sldId id="260" r:id="rId9"/>
   </p:sldIdLst>
   <p:sldSz cx="9144000" cy="5143500" type="screen16x9"/>
   <p:notesSz cx="6858000" cy="9144000"/>
   <p:embeddedFontLst>
     <p:embeddedFont>
       <p:font typeface="Roboto" panose="02000000000000000000" pitchFamily="2" charset="0"/>
-      <p:regular r:id="rId10"/>
-      <p:bold r:id="rId11"/>
-      <p:italic r:id="rId12"/>
-      <p:boldItalic r:id="rId13"/>
+      <p:regular r:id="rId11"/>
+      <p:bold r:id="rId12"/>
+      <p:italic r:id="rId13"/>
+      <p:boldItalic r:id="rId14"/>
     </p:embeddedFont>
     <p:embeddedFont>
       <p:font typeface="Roboto Light" panose="02000000000000000000" pitchFamily="2" charset="0"/>
-      <p:regular r:id="rId14"/>
-      <p:bold r:id="rId15"/>
-      <p:italic r:id="rId16"/>
-      <p:boldItalic r:id="rId17"/>
+      <p:regular r:id="rId15"/>
+      <p:bold r:id="rId16"/>
+      <p:italic r:id="rId17"/>
+      <p:boldItalic r:id="rId18"/>
     </p:embeddedFont>
   </p:embeddedFontLst>
   <p:defaultTextStyle>
@@ -1366,6 +1367,119 @@
     </p:spTree>
     <p:extLst>
       <p:ext uri="{BB962C8B-B14F-4D97-AF65-F5344CB8AC3E}">
+        <p14:creationId xmlns:p14="http://schemas.microsoft.com/office/powerpoint/2010/main" val="137293810"/>
+      </p:ext>
+    </p:extLst>
+  </p:cSld>
+  <p:clrMapOvr>
+    <a:masterClrMapping/>
+  </p:clrMapOvr>
+</p:notes>
+</file>
+
+<file path=ppt/notesSlides/notesSlide7.xml><?xml version="1.0" encoding="utf-8"?>
+<p:notes xmlns:a="http://schemas.openxmlformats.org/drawingml/2006/main" xmlns:r="http://schemas.openxmlformats.org/officeDocument/2006/relationships" xmlns:p="http://schemas.openxmlformats.org/presentationml/2006/main" showMasterSp="0" showMasterPhAnim="0">
+  <p:cSld>
+    <p:spTree>
+      <p:nvGrpSpPr>
+        <p:cNvPr id="1" name="Shape 66"/>
+        <p:cNvGrpSpPr/>
+        <p:nvPr/>
+      </p:nvGrpSpPr>
+      <p:grpSpPr>
+        <a:xfrm>
+          <a:off x="0" y="0"/>
+          <a:ext cx="0" cy="0"/>
+          <a:chOff x="0" y="0"/>
+          <a:chExt cx="0" cy="0"/>
+        </a:xfrm>
+      </p:grpSpPr>
+      <p:sp>
+        <p:nvSpPr>
+          <p:cNvPr id="67" name="Google Shape;67;gd8e9b03fd4_0_15:notes"/>
+          <p:cNvSpPr>
+            <a:spLocks noGrp="1" noRot="1" noChangeAspect="1"/>
+          </p:cNvSpPr>
+          <p:nvPr>
+            <p:ph type="sldImg" idx="2"/>
+          </p:nvPr>
+        </p:nvSpPr>
+        <p:spPr>
+          <a:xfrm>
+            <a:off x="381000" y="685800"/>
+            <a:ext cx="6096000" cy="3429000"/>
+          </a:xfrm>
+          <a:custGeom>
+            <a:avLst/>
+            <a:gdLst/>
+            <a:ahLst/>
+            <a:cxnLst/>
+            <a:rect l="l" t="t" r="r" b="b"/>
+            <a:pathLst>
+              <a:path w="120000" h="120000" extrusionOk="0">
+                <a:moveTo>
+                  <a:pt x="0" y="0"/>
+                </a:moveTo>
+                <a:lnTo>
+                  <a:pt x="120000" y="0"/>
+                </a:lnTo>
+                <a:lnTo>
+                  <a:pt x="120000" y="120000"/>
+                </a:lnTo>
+                <a:lnTo>
+                  <a:pt x="0" y="120000"/>
+                </a:lnTo>
+                <a:close/>
+              </a:path>
+            </a:pathLst>
+          </a:custGeom>
+        </p:spPr>
+      </p:sp>
+      <p:sp>
+        <p:nvSpPr>
+          <p:cNvPr id="68" name="Google Shape;68;gd8e9b03fd4_0_15:notes"/>
+          <p:cNvSpPr txBox="1">
+            <a:spLocks noGrp="1"/>
+          </p:cNvSpPr>
+          <p:nvPr>
+            <p:ph type="body" idx="1"/>
+          </p:nvPr>
+        </p:nvSpPr>
+        <p:spPr>
+          <a:xfrm>
+            <a:off x="685800" y="4343400"/>
+            <a:ext cx="5486400" cy="4114800"/>
+          </a:xfrm>
+          <a:prstGeom prst="rect">
+            <a:avLst/>
+          </a:prstGeom>
+        </p:spPr>
+        <p:txBody>
+          <a:bodyPr spcFirstLastPara="1" wrap="square" lIns="91425" tIns="91425" rIns="91425" bIns="91425" anchor="t" anchorCtr="0">
+            <a:noAutofit/>
+          </a:bodyPr>
+          <a:lstStyle/>
+          <a:p>
+            <a:pPr marL="0" lvl="0" indent="0" algn="l" rtl="0">
+              <a:spcBef>
+                <a:spcPts val="0"/>
+              </a:spcBef>
+              <a:spcAft>
+                <a:spcPts val="0"/>
+              </a:spcAft>
+              <a:buNone/>
+            </a:pPr>
+            <a:r>
+              <a:rPr lang="pt-BR"/>
+              <a:t>Objetivo: informar à audiência o que é necessário para melhor aproveitamento do conteúdo.</a:t>
+            </a:r>
+            <a:endParaRPr/>
+          </a:p>
+        </p:txBody>
+      </p:sp>
+    </p:spTree>
+    <p:extLst>
+      <p:ext uri="{BB962C8B-B14F-4D97-AF65-F5344CB8AC3E}">
         <p14:creationId xmlns:p14="http://schemas.microsoft.com/office/powerpoint/2010/main" val="1796410334"/>
       </p:ext>
     </p:extLst>
@@ -1376,7 +1490,7 @@
 </p:notes>
 </file>
 
-<file path=ppt/notesSlides/notesSlide7.xml><?xml version="1.0" encoding="utf-8"?>
+<file path=ppt/notesSlides/notesSlide8.xml><?xml version="1.0" encoding="utf-8"?>
 <p:notes xmlns:a="http://schemas.openxmlformats.org/drawingml/2006/main" xmlns:r="http://schemas.openxmlformats.org/officeDocument/2006/relationships" xmlns:p="http://schemas.openxmlformats.org/presentationml/2006/main" showMasterSp="0" showMasterPhAnim="0">
   <p:cSld>
     <p:spTree>
@@ -4452,15 +4566,7 @@
             </a:r>
             <a:r>
               <a:rPr lang="pt-BR" dirty="0"/>
-              <a:t> / Will </a:t>
-            </a:r>
-            <a:r>
-              <a:rPr lang="pt-BR" dirty="0" err="1"/>
-              <a:t>Bankl</a:t>
-            </a:r>
-            <a:r>
-              <a:rPr lang="pt-BR" dirty="0"/>
-              <a:t>;</a:t>
+              <a:t> / Will Bank;</a:t>
             </a:r>
           </a:p>
           <a:p>
@@ -4829,7 +4935,7 @@
             </a:pPr>
             <a:r>
               <a:rPr lang="pt-BR" dirty="0"/>
-              <a:t>Requisitos, ambiente e recursos</a:t>
+              <a:t>Boas praticas com Angular</a:t>
             </a:r>
             <a:endParaRPr dirty="0"/>
           </a:p>
@@ -4856,7 +4962,7 @@
         </p:spPr>
         <p:txBody>
           <a:bodyPr spcFirstLastPara="1" wrap="square" lIns="91425" tIns="91425" rIns="91425" bIns="91425" anchor="t" anchorCtr="0">
-            <a:normAutofit lnSpcReduction="10000"/>
+            <a:normAutofit/>
           </a:bodyPr>
           <a:lstStyle/>
           <a:p>
@@ -4874,295 +4980,12 @@
               <a:buChar char="●"/>
             </a:pPr>
             <a:r>
-              <a:rPr lang="pt-BR" dirty="0"/>
-              <a:t>Links úteis </a:t>
-            </a:r>
-          </a:p>
-          <a:p>
-            <a:pPr lvl="1" indent="-342900">
-              <a:lnSpc>
-                <a:spcPct val="150000"/>
-              </a:lnSpc>
-              <a:buSzPts val="1800"/>
-              <a:buChar char="●"/>
-            </a:pPr>
-            <a:r>
               <a:rPr lang="pt-BR" dirty="0">
                 <a:solidFill>
                   <a:schemeClr val="bg1"/>
                 </a:solidFill>
               </a:rPr>
-              <a:t>Angular CLI - </a:t>
-            </a:r>
-            <a:r>
-              <a:rPr lang="pt-BR" dirty="0">
-                <a:solidFill>
-                  <a:srgbClr val="D73628"/>
-                </a:solidFill>
-                <a:hlinkClick r:id="rId3">
-                  <a:extLst>
-                    <a:ext uri="{A12FA001-AC4F-418D-AE19-62706E023703}">
-                      <ahyp:hlinkClr xmlns:ahyp="http://schemas.microsoft.com/office/drawing/2018/hyperlinkcolor" val="tx"/>
-                    </a:ext>
-                  </a:extLst>
-                </a:hlinkClick>
-              </a:rPr>
-              <a:t>https://angular.io/cli</a:t>
-            </a:r>
-            <a:endParaRPr lang="pt-BR" dirty="0">
-              <a:solidFill>
-                <a:srgbClr val="D73628"/>
-              </a:solidFill>
-            </a:endParaRPr>
-          </a:p>
-          <a:p>
-            <a:pPr lvl="2" indent="-342900">
-              <a:lnSpc>
-                <a:spcPct val="150000"/>
-              </a:lnSpc>
-              <a:buSzPts val="1800"/>
-              <a:buChar char="●"/>
-            </a:pPr>
-            <a:r>
-              <a:rPr lang="pt-BR" sz="1200" dirty="0" err="1">
-                <a:solidFill>
-                  <a:schemeClr val="bg1"/>
-                </a:solidFill>
-              </a:rPr>
-              <a:t>generate</a:t>
-            </a:r>
-            <a:r>
-              <a:rPr lang="pt-BR" sz="1200" dirty="0">
-                <a:solidFill>
-                  <a:schemeClr val="bg1"/>
-                </a:solidFill>
-              </a:rPr>
-              <a:t> - </a:t>
-            </a:r>
-            <a:r>
-              <a:rPr lang="pt-BR" sz="1200" dirty="0">
-                <a:solidFill>
-                  <a:srgbClr val="D73628"/>
-                </a:solidFill>
-                <a:hlinkClick r:id="rId4">
-                  <a:extLst>
-                    <a:ext uri="{A12FA001-AC4F-418D-AE19-62706E023703}">
-                      <ahyp:hlinkClr xmlns:ahyp="http://schemas.microsoft.com/office/drawing/2018/hyperlinkcolor" val="tx"/>
-                    </a:ext>
-                  </a:extLst>
-                </a:hlinkClick>
-              </a:rPr>
-              <a:t>https://angular.io/cli/generate</a:t>
-            </a:r>
-            <a:endParaRPr lang="pt-BR" sz="1200" dirty="0">
-              <a:solidFill>
-                <a:srgbClr val="D73628"/>
-              </a:solidFill>
-            </a:endParaRPr>
-          </a:p>
-          <a:p>
-            <a:pPr lvl="1" indent="-342900">
-              <a:lnSpc>
-                <a:spcPct val="150000"/>
-              </a:lnSpc>
-              <a:buSzPts val="1800"/>
-              <a:buChar char="●"/>
-            </a:pPr>
-            <a:r>
-              <a:rPr lang="pt-BR" dirty="0" err="1">
-                <a:solidFill>
-                  <a:schemeClr val="bg1"/>
-                </a:solidFill>
-              </a:rPr>
-              <a:t>Ng-Bootstrap</a:t>
-            </a:r>
-            <a:r>
-              <a:rPr lang="pt-BR" dirty="0">
-                <a:solidFill>
-                  <a:schemeClr val="bg1"/>
-                </a:solidFill>
-              </a:rPr>
-              <a:t> - </a:t>
-            </a:r>
-            <a:r>
-              <a:rPr lang="pt-BR" dirty="0">
-                <a:solidFill>
-                  <a:srgbClr val="D73628"/>
-                </a:solidFill>
-                <a:hlinkClick r:id="rId5">
-                  <a:extLst>
-                    <a:ext uri="{A12FA001-AC4F-418D-AE19-62706E023703}">
-                      <ahyp:hlinkClr xmlns:ahyp="http://schemas.microsoft.com/office/drawing/2018/hyperlinkcolor" val="tx"/>
-                    </a:ext>
-                  </a:extLst>
-                </a:hlinkClick>
-              </a:rPr>
-              <a:t>https://ng-bootstrap.github.io/#/home</a:t>
-            </a:r>
-            <a:endParaRPr lang="pt-BR" dirty="0">
-              <a:solidFill>
-                <a:srgbClr val="D73628"/>
-              </a:solidFill>
-            </a:endParaRPr>
-          </a:p>
-          <a:p>
-            <a:pPr lvl="1" indent="-342900">
-              <a:lnSpc>
-                <a:spcPct val="150000"/>
-              </a:lnSpc>
-              <a:buSzPts val="1800"/>
-              <a:buChar char="●"/>
-            </a:pPr>
-            <a:r>
-              <a:rPr lang="pt-BR" dirty="0" err="1">
-                <a:solidFill>
-                  <a:schemeClr val="bg1"/>
-                </a:solidFill>
-              </a:rPr>
-              <a:t>Font</a:t>
-            </a:r>
-            <a:r>
-              <a:rPr lang="pt-BR" dirty="0">
-                <a:solidFill>
-                  <a:schemeClr val="bg1"/>
-                </a:solidFill>
-              </a:rPr>
-              <a:t> </a:t>
-            </a:r>
-            <a:r>
-              <a:rPr lang="pt-BR" dirty="0" err="1">
-                <a:solidFill>
-                  <a:schemeClr val="bg1"/>
-                </a:solidFill>
-              </a:rPr>
-              <a:t>Awesome</a:t>
-            </a:r>
-            <a:r>
-              <a:rPr lang="pt-BR" dirty="0">
-                <a:solidFill>
-                  <a:schemeClr val="bg1"/>
-                </a:solidFill>
-              </a:rPr>
-              <a:t> - </a:t>
-            </a:r>
-            <a:r>
-              <a:rPr lang="pt-BR" dirty="0">
-                <a:solidFill>
-                  <a:srgbClr val="D73628"/>
-                </a:solidFill>
-                <a:hlinkClick r:id="rId6">
-                  <a:extLst>
-                    <a:ext uri="{A12FA001-AC4F-418D-AE19-62706E023703}">
-                      <ahyp:hlinkClr xmlns:ahyp="http://schemas.microsoft.com/office/drawing/2018/hyperlinkcolor" val="tx"/>
-                    </a:ext>
-                  </a:extLst>
-                </a:hlinkClick>
-              </a:rPr>
-              <a:t>https://fontawesome.com</a:t>
-            </a:r>
-            <a:endParaRPr lang="pt-BR" dirty="0">
-              <a:solidFill>
-                <a:srgbClr val="D73628"/>
-              </a:solidFill>
-            </a:endParaRPr>
-          </a:p>
-          <a:p>
-            <a:pPr lvl="1" indent="-342900">
-              <a:lnSpc>
-                <a:spcPct val="150000"/>
-              </a:lnSpc>
-              <a:buSzPts val="1800"/>
-              <a:buChar char="●"/>
-            </a:pPr>
-            <a:r>
-              <a:rPr lang="pt-BR" dirty="0">
-                <a:solidFill>
-                  <a:schemeClr val="bg1"/>
-                </a:solidFill>
-              </a:rPr>
-              <a:t>Date-</a:t>
-            </a:r>
-            <a:r>
-              <a:rPr lang="pt-BR" dirty="0" err="1">
-                <a:solidFill>
-                  <a:schemeClr val="bg1"/>
-                </a:solidFill>
-              </a:rPr>
-              <a:t>Fns</a:t>
-            </a:r>
-            <a:r>
-              <a:rPr lang="pt-BR" dirty="0">
-                <a:solidFill>
-                  <a:schemeClr val="bg1"/>
-                </a:solidFill>
-              </a:rPr>
-              <a:t> - </a:t>
-            </a:r>
-            <a:r>
-              <a:rPr lang="pt-BR" dirty="0">
-                <a:solidFill>
-                  <a:srgbClr val="D73628"/>
-                </a:solidFill>
-                <a:hlinkClick r:id="rId7">
-                  <a:extLst>
-                    <a:ext uri="{A12FA001-AC4F-418D-AE19-62706E023703}">
-                      <ahyp:hlinkClr xmlns:ahyp="http://schemas.microsoft.com/office/drawing/2018/hyperlinkcolor" val="tx"/>
-                    </a:ext>
-                  </a:extLst>
-                </a:hlinkClick>
-              </a:rPr>
-              <a:t>https://date-fns.org</a:t>
-            </a:r>
-            <a:endParaRPr lang="pt-BR" dirty="0">
-              <a:solidFill>
-                <a:srgbClr val="D73628"/>
-              </a:solidFill>
-            </a:endParaRPr>
-          </a:p>
-          <a:p>
-            <a:pPr>
-              <a:lnSpc>
-                <a:spcPct val="150000"/>
-              </a:lnSpc>
-            </a:pPr>
-            <a:r>
-              <a:rPr lang="pt-BR" dirty="0">
-                <a:solidFill>
-                  <a:schemeClr val="bg1"/>
-                </a:solidFill>
-              </a:rPr>
-              <a:t>Requisitos</a:t>
-            </a:r>
-          </a:p>
-          <a:p>
-            <a:pPr lvl="1">
-              <a:lnSpc>
-                <a:spcPct val="150000"/>
-              </a:lnSpc>
-            </a:pPr>
-            <a:r>
-              <a:rPr lang="pt-BR" dirty="0">
-                <a:solidFill>
-                  <a:schemeClr val="bg1"/>
-                </a:solidFill>
-              </a:rPr>
-              <a:t>Ter familiaridade com HTML, CSS e </a:t>
-            </a:r>
-            <a:r>
-              <a:rPr lang="pt-BR" dirty="0" err="1">
-                <a:solidFill>
-                  <a:schemeClr val="bg1"/>
-                </a:solidFill>
-              </a:rPr>
-              <a:t>JavaScript</a:t>
-            </a:r>
-            <a:r>
-              <a:rPr lang="pt-BR" dirty="0">
-                <a:solidFill>
-                  <a:schemeClr val="bg1"/>
-                </a:solidFill>
-              </a:rPr>
-              <a:t>;</a:t>
+              <a:t>Angular CLI</a:t>
             </a:r>
           </a:p>
           <a:p>
@@ -5180,12 +5003,16 @@
               <a:buChar char="●"/>
             </a:pPr>
             <a:r>
-              <a:rPr lang="pt-BR" dirty="0"/>
-              <a:t>Ambiente e recursos necessários:</a:t>
-            </a:r>
-          </a:p>
-          <a:p>
-            <a:pPr marL="914400" lvl="1" indent="-317500" algn="l" rtl="0">
+              <a:rPr lang="pt-BR" dirty="0">
+                <a:solidFill>
+                  <a:schemeClr val="bg1"/>
+                </a:solidFill>
+              </a:rPr>
+              <a:t>Estrutura de pastas escalável e manutenível</a:t>
+            </a:r>
+          </a:p>
+          <a:p>
+            <a:pPr marL="457200" lvl="0" indent="-342900" algn="l" rtl="0">
               <a:lnSpc>
                 <a:spcPct val="150000"/>
               </a:lnSpc>
@@ -5195,20 +5022,41 @@
               <a:spcAft>
                 <a:spcPts val="0"/>
               </a:spcAft>
-              <a:buSzPts val="1400"/>
-              <a:buChar char="○"/>
+              <a:buSzPts val="1800"/>
+              <a:buChar char="●"/>
             </a:pPr>
             <a:r>
+              <a:rPr lang="pt-BR" dirty="0" err="1">
+                <a:solidFill>
+                  <a:schemeClr val="bg1"/>
+                </a:solidFill>
+              </a:rPr>
+              <a:t>Lazy</a:t>
+            </a:r>
+            <a:r>
               <a:rPr lang="pt-BR" dirty="0">
                 <a:solidFill>
                   <a:schemeClr val="bg1"/>
                 </a:solidFill>
               </a:rPr>
-              <a:t>Node 16.13.1 (LTS);</a:t>
-            </a:r>
-          </a:p>
-          <a:p>
-            <a:pPr marL="914400" lvl="1" indent="-317500" algn="l" rtl="0">
+              <a:t> </a:t>
+            </a:r>
+            <a:r>
+              <a:rPr lang="pt-BR" dirty="0" err="1">
+                <a:solidFill>
+                  <a:schemeClr val="bg1"/>
+                </a:solidFill>
+              </a:rPr>
+              <a:t>Loading</a:t>
+            </a:r>
+            <a:endParaRPr lang="pt-BR" dirty="0">
+              <a:solidFill>
+                <a:schemeClr val="bg1"/>
+              </a:solidFill>
+            </a:endParaRPr>
+          </a:p>
+          <a:p>
+            <a:pPr marL="457200" lvl="0" indent="-342900" algn="l" rtl="0">
               <a:lnSpc>
                 <a:spcPct val="150000"/>
               </a:lnSpc>
@@ -5218,8 +5066,8 @@
               <a:spcAft>
                 <a:spcPts val="0"/>
               </a:spcAft>
-              <a:buSzPts val="1400"/>
-              <a:buChar char="○"/>
+              <a:buSzPts val="1800"/>
+              <a:buChar char="●"/>
             </a:pPr>
             <a:r>
               <a:rPr lang="pt-BR" dirty="0">
@@ -5227,7 +5075,7 @@
                   <a:schemeClr val="bg1"/>
                 </a:solidFill>
               </a:rPr>
-              <a:t>Seu editor de código de preferência (No meu caso, Visual Studio </a:t>
+              <a:t>SRP (Single </a:t>
             </a:r>
             <a:r>
               <a:rPr lang="pt-BR" dirty="0" err="1">
@@ -5235,7 +5083,7 @@
                   <a:schemeClr val="bg1"/>
                 </a:solidFill>
               </a:rPr>
-              <a:t>Code</a:t>
+              <a:t>Responsability</a:t>
             </a:r>
             <a:r>
               <a:rPr lang="pt-BR" dirty="0">
@@ -5243,11 +5091,27 @@
                   <a:schemeClr val="bg1"/>
                 </a:solidFill>
               </a:rPr>
-              <a:t>);</a:t>
-            </a:r>
-          </a:p>
-          <a:p>
-            <a:pPr marL="914400" lvl="1" indent="-317500" algn="l" rtl="0">
+              <a:t> </a:t>
+            </a:r>
+            <a:r>
+              <a:rPr lang="pt-BR" dirty="0" err="1">
+                <a:solidFill>
+                  <a:schemeClr val="bg1"/>
+                </a:solidFill>
+              </a:rPr>
+              <a:t>Principle</a:t>
+            </a:r>
+            <a:r>
+              <a:rPr lang="pt-BR" dirty="0">
+                <a:solidFill>
+                  <a:schemeClr val="bg1"/>
+                </a:solidFill>
+              </a:rPr>
+              <a:t>)</a:t>
+            </a:r>
+          </a:p>
+          <a:p>
+            <a:pPr marL="457200" lvl="0" indent="-342900" algn="l" rtl="0">
               <a:lnSpc>
                 <a:spcPct val="150000"/>
               </a:lnSpc>
@@ -5257,17 +5121,146 @@
               <a:spcAft>
                 <a:spcPts val="0"/>
               </a:spcAft>
-              <a:buSzPts val="1400"/>
-              <a:buChar char="○"/>
+              <a:buSzPts val="1800"/>
+              <a:buChar char="●"/>
             </a:pPr>
             <a:r>
+              <a:rPr lang="pt-BR" dirty="0" err="1">
+                <a:solidFill>
+                  <a:schemeClr val="bg1"/>
+                </a:solidFill>
+              </a:rPr>
+              <a:t>Componentização</a:t>
+            </a:r>
+            <a:endParaRPr lang="pt-BR" dirty="0">
+              <a:solidFill>
+                <a:schemeClr val="bg1"/>
+              </a:solidFill>
+            </a:endParaRPr>
+          </a:p>
+          <a:p>
+            <a:pPr marL="457200" lvl="0" indent="-342900" algn="l" rtl="0">
+              <a:lnSpc>
+                <a:spcPct val="150000"/>
+              </a:lnSpc>
+              <a:spcBef>
+                <a:spcPts val="0"/>
+              </a:spcBef>
+              <a:spcAft>
+                <a:spcPts val="0"/>
+              </a:spcAft>
+              <a:buSzPts val="1800"/>
+              <a:buChar char="●"/>
+            </a:pPr>
+            <a:r>
               <a:rPr lang="pt-BR" dirty="0">
                 <a:solidFill>
                   <a:schemeClr val="bg1"/>
                 </a:solidFill>
               </a:rPr>
-              <a:t>Vontade de aprender :D</a:t>
-            </a:r>
+              <a:t>Safe </a:t>
+            </a:r>
+            <a:r>
+              <a:rPr lang="pt-BR" dirty="0" err="1">
+                <a:solidFill>
+                  <a:schemeClr val="bg1"/>
+                </a:solidFill>
+              </a:rPr>
+              <a:t>Navigation</a:t>
+            </a:r>
+            <a:r>
+              <a:rPr lang="pt-BR" dirty="0">
+                <a:solidFill>
+                  <a:schemeClr val="bg1"/>
+                </a:solidFill>
+              </a:rPr>
+              <a:t> </a:t>
+            </a:r>
+            <a:r>
+              <a:rPr lang="pt-BR" dirty="0" err="1">
+                <a:solidFill>
+                  <a:schemeClr val="bg1"/>
+                </a:solidFill>
+              </a:rPr>
+              <a:t>Operator</a:t>
+            </a:r>
+            <a:endParaRPr lang="pt-BR" dirty="0">
+              <a:solidFill>
+                <a:schemeClr val="bg1"/>
+              </a:solidFill>
+            </a:endParaRPr>
+          </a:p>
+          <a:p>
+            <a:pPr marL="457200" lvl="0" indent="-342900" algn="l" rtl="0">
+              <a:lnSpc>
+                <a:spcPct val="150000"/>
+              </a:lnSpc>
+              <a:spcBef>
+                <a:spcPts val="0"/>
+              </a:spcBef>
+              <a:spcAft>
+                <a:spcPts val="0"/>
+              </a:spcAft>
+              <a:buSzPts val="1800"/>
+              <a:buChar char="●"/>
+            </a:pPr>
+            <a:r>
+              <a:rPr lang="pt-BR" dirty="0" err="1">
+                <a:solidFill>
+                  <a:schemeClr val="bg1"/>
+                </a:solidFill>
+              </a:rPr>
+              <a:t>Strict</a:t>
+            </a:r>
+            <a:r>
+              <a:rPr lang="pt-BR" dirty="0">
+                <a:solidFill>
+                  <a:schemeClr val="bg1"/>
+                </a:solidFill>
+              </a:rPr>
+              <a:t> </a:t>
+            </a:r>
+            <a:r>
+              <a:rPr lang="pt-BR" dirty="0" err="1">
+                <a:solidFill>
+                  <a:schemeClr val="bg1"/>
+                </a:solidFill>
+              </a:rPr>
+              <a:t>Mode</a:t>
+            </a:r>
+            <a:endParaRPr lang="pt-BR" dirty="0">
+              <a:solidFill>
+                <a:schemeClr val="bg1"/>
+              </a:solidFill>
+            </a:endParaRPr>
+          </a:p>
+          <a:p>
+            <a:pPr marL="457200" lvl="0" indent="-342900" algn="l" rtl="0">
+              <a:lnSpc>
+                <a:spcPct val="150000"/>
+              </a:lnSpc>
+              <a:spcBef>
+                <a:spcPts val="0"/>
+              </a:spcBef>
+              <a:spcAft>
+                <a:spcPts val="0"/>
+              </a:spcAft>
+              <a:buSzPts val="1800"/>
+              <a:buChar char="●"/>
+            </a:pPr>
+            <a:r>
+              <a:rPr lang="pt-BR" dirty="0" err="1">
+                <a:solidFill>
+                  <a:schemeClr val="bg1"/>
+                </a:solidFill>
+              </a:rPr>
+              <a:t>trackBy</a:t>
+            </a:r>
+            <a:endParaRPr lang="pt-BR" dirty="0">
+              <a:solidFill>
+                <a:schemeClr val="bg1"/>
+              </a:solidFill>
+            </a:endParaRPr>
           </a:p>
         </p:txBody>
       </p:sp>
@@ -5332,6 +5325,514 @@
             </a:pPr>
             <a:r>
               <a:rPr lang="pt-BR" dirty="0"/>
+              <a:t>Requisitos, ambiente e recursos</a:t>
+            </a:r>
+            <a:endParaRPr dirty="0"/>
+          </a:p>
+        </p:txBody>
+      </p:sp>
+      <p:sp>
+        <p:nvSpPr>
+          <p:cNvPr id="71" name="Google Shape;71;p13"/>
+          <p:cNvSpPr txBox="1">
+            <a:spLocks noGrp="1"/>
+          </p:cNvSpPr>
+          <p:nvPr>
+            <p:ph type="body" idx="1"/>
+          </p:nvPr>
+        </p:nvSpPr>
+        <p:spPr>
+          <a:xfrm>
+            <a:off x="585300" y="833718"/>
+            <a:ext cx="8247000" cy="4182035"/>
+          </a:xfrm>
+          <a:prstGeom prst="rect">
+            <a:avLst/>
+          </a:prstGeom>
+        </p:spPr>
+        <p:txBody>
+          <a:bodyPr spcFirstLastPara="1" wrap="square" lIns="91425" tIns="91425" rIns="91425" bIns="91425" anchor="t" anchorCtr="0">
+            <a:normAutofit lnSpcReduction="10000"/>
+          </a:bodyPr>
+          <a:lstStyle/>
+          <a:p>
+            <a:pPr marL="457200" lvl="0" indent="-342900" algn="l" rtl="0">
+              <a:lnSpc>
+                <a:spcPct val="150000"/>
+              </a:lnSpc>
+              <a:spcBef>
+                <a:spcPts val="0"/>
+              </a:spcBef>
+              <a:spcAft>
+                <a:spcPts val="0"/>
+              </a:spcAft>
+              <a:buSzPts val="1800"/>
+              <a:buChar char="●"/>
+            </a:pPr>
+            <a:r>
+              <a:rPr lang="pt-BR" dirty="0"/>
+              <a:t>Links úteis </a:t>
+            </a:r>
+          </a:p>
+          <a:p>
+            <a:pPr lvl="1" indent="-342900">
+              <a:lnSpc>
+                <a:spcPct val="150000"/>
+              </a:lnSpc>
+              <a:buSzPts val="1800"/>
+              <a:buChar char="●"/>
+            </a:pPr>
+            <a:r>
+              <a:rPr lang="pt-BR" dirty="0">
+                <a:solidFill>
+                  <a:schemeClr val="bg1"/>
+                </a:solidFill>
+              </a:rPr>
+              <a:t>Angular CLI - </a:t>
+            </a:r>
+            <a:r>
+              <a:rPr lang="pt-BR" dirty="0">
+                <a:solidFill>
+                  <a:srgbClr val="D73628"/>
+                </a:solidFill>
+                <a:hlinkClick r:id="rId3">
+                  <a:extLst>
+                    <a:ext uri="{A12FA001-AC4F-418D-AE19-62706E023703}">
+                      <ahyp:hlinkClr xmlns:ahyp="http://schemas.microsoft.com/office/drawing/2018/hyperlinkcolor" val="tx"/>
+                    </a:ext>
+                  </a:extLst>
+                </a:hlinkClick>
+              </a:rPr>
+              <a:t>https://angular.io/cli</a:t>
+            </a:r>
+            <a:endParaRPr lang="pt-BR" dirty="0">
+              <a:solidFill>
+                <a:srgbClr val="D73628"/>
+              </a:solidFill>
+            </a:endParaRPr>
+          </a:p>
+          <a:p>
+            <a:pPr lvl="2" indent="-342900">
+              <a:lnSpc>
+                <a:spcPct val="150000"/>
+              </a:lnSpc>
+              <a:buSzPts val="1800"/>
+              <a:buChar char="●"/>
+            </a:pPr>
+            <a:r>
+              <a:rPr lang="pt-BR" sz="1200" dirty="0" err="1">
+                <a:solidFill>
+                  <a:schemeClr val="bg1"/>
+                </a:solidFill>
+              </a:rPr>
+              <a:t>generate</a:t>
+            </a:r>
+            <a:r>
+              <a:rPr lang="pt-BR" sz="1200" dirty="0">
+                <a:solidFill>
+                  <a:schemeClr val="bg1"/>
+                </a:solidFill>
+              </a:rPr>
+              <a:t> - </a:t>
+            </a:r>
+            <a:r>
+              <a:rPr lang="pt-BR" sz="1200" dirty="0">
+                <a:solidFill>
+                  <a:srgbClr val="D73628"/>
+                </a:solidFill>
+                <a:hlinkClick r:id="rId4">
+                  <a:extLst>
+                    <a:ext uri="{A12FA001-AC4F-418D-AE19-62706E023703}">
+                      <ahyp:hlinkClr xmlns:ahyp="http://schemas.microsoft.com/office/drawing/2018/hyperlinkcolor" val="tx"/>
+                    </a:ext>
+                  </a:extLst>
+                </a:hlinkClick>
+              </a:rPr>
+              <a:t>https://angular.io/cli/generate</a:t>
+            </a:r>
+            <a:endParaRPr lang="pt-BR" sz="1200" dirty="0">
+              <a:solidFill>
+                <a:srgbClr val="D73628"/>
+              </a:solidFill>
+            </a:endParaRPr>
+          </a:p>
+          <a:p>
+            <a:pPr lvl="1" indent="-342900">
+              <a:lnSpc>
+                <a:spcPct val="150000"/>
+              </a:lnSpc>
+              <a:buSzPts val="1800"/>
+              <a:buChar char="●"/>
+            </a:pPr>
+            <a:r>
+              <a:rPr lang="pt-BR" dirty="0" err="1">
+                <a:solidFill>
+                  <a:schemeClr val="bg1"/>
+                </a:solidFill>
+              </a:rPr>
+              <a:t>Ng-Bootstrap</a:t>
+            </a:r>
+            <a:r>
+              <a:rPr lang="pt-BR" dirty="0">
+                <a:solidFill>
+                  <a:schemeClr val="bg1"/>
+                </a:solidFill>
+              </a:rPr>
+              <a:t> - </a:t>
+            </a:r>
+            <a:r>
+              <a:rPr lang="pt-BR" dirty="0">
+                <a:solidFill>
+                  <a:srgbClr val="D73628"/>
+                </a:solidFill>
+                <a:hlinkClick r:id="rId5">
+                  <a:extLst>
+                    <a:ext uri="{A12FA001-AC4F-418D-AE19-62706E023703}">
+                      <ahyp:hlinkClr xmlns:ahyp="http://schemas.microsoft.com/office/drawing/2018/hyperlinkcolor" val="tx"/>
+                    </a:ext>
+                  </a:extLst>
+                </a:hlinkClick>
+              </a:rPr>
+              <a:t>https://ng-bootstrap.github.io/#/home</a:t>
+            </a:r>
+            <a:endParaRPr lang="pt-BR" dirty="0">
+              <a:solidFill>
+                <a:srgbClr val="D73628"/>
+              </a:solidFill>
+            </a:endParaRPr>
+          </a:p>
+          <a:p>
+            <a:pPr lvl="1" indent="-342900">
+              <a:lnSpc>
+                <a:spcPct val="150000"/>
+              </a:lnSpc>
+              <a:buSzPts val="1800"/>
+              <a:buChar char="●"/>
+            </a:pPr>
+            <a:r>
+              <a:rPr lang="pt-BR" dirty="0" err="1">
+                <a:solidFill>
+                  <a:schemeClr val="bg1"/>
+                </a:solidFill>
+              </a:rPr>
+              <a:t>Font</a:t>
+            </a:r>
+            <a:r>
+              <a:rPr lang="pt-BR" dirty="0">
+                <a:solidFill>
+                  <a:schemeClr val="bg1"/>
+                </a:solidFill>
+              </a:rPr>
+              <a:t> </a:t>
+            </a:r>
+            <a:r>
+              <a:rPr lang="pt-BR" dirty="0" err="1">
+                <a:solidFill>
+                  <a:schemeClr val="bg1"/>
+                </a:solidFill>
+              </a:rPr>
+              <a:t>Awesome</a:t>
+            </a:r>
+            <a:r>
+              <a:rPr lang="pt-BR" dirty="0">
+                <a:solidFill>
+                  <a:schemeClr val="bg1"/>
+                </a:solidFill>
+              </a:rPr>
+              <a:t> - </a:t>
+            </a:r>
+            <a:r>
+              <a:rPr lang="pt-BR" dirty="0">
+                <a:solidFill>
+                  <a:srgbClr val="D73628"/>
+                </a:solidFill>
+                <a:hlinkClick r:id="rId6">
+                  <a:extLst>
+                    <a:ext uri="{A12FA001-AC4F-418D-AE19-62706E023703}">
+                      <ahyp:hlinkClr xmlns:ahyp="http://schemas.microsoft.com/office/drawing/2018/hyperlinkcolor" val="tx"/>
+                    </a:ext>
+                  </a:extLst>
+                </a:hlinkClick>
+              </a:rPr>
+              <a:t>https://fontawesome.com</a:t>
+            </a:r>
+            <a:endParaRPr lang="pt-BR" dirty="0">
+              <a:solidFill>
+                <a:srgbClr val="D73628"/>
+              </a:solidFill>
+            </a:endParaRPr>
+          </a:p>
+          <a:p>
+            <a:pPr lvl="1" indent="-342900">
+              <a:lnSpc>
+                <a:spcPct val="150000"/>
+              </a:lnSpc>
+              <a:buSzPts val="1800"/>
+              <a:buChar char="●"/>
+            </a:pPr>
+            <a:r>
+              <a:rPr lang="pt-BR" dirty="0">
+                <a:solidFill>
+                  <a:schemeClr val="bg1"/>
+                </a:solidFill>
+              </a:rPr>
+              <a:t>Date-</a:t>
+            </a:r>
+            <a:r>
+              <a:rPr lang="pt-BR" dirty="0" err="1">
+                <a:solidFill>
+                  <a:schemeClr val="bg1"/>
+                </a:solidFill>
+              </a:rPr>
+              <a:t>Fns</a:t>
+            </a:r>
+            <a:r>
+              <a:rPr lang="pt-BR" dirty="0">
+                <a:solidFill>
+                  <a:schemeClr val="bg1"/>
+                </a:solidFill>
+              </a:rPr>
+              <a:t> - </a:t>
+            </a:r>
+            <a:r>
+              <a:rPr lang="pt-BR" dirty="0">
+                <a:solidFill>
+                  <a:srgbClr val="D73628"/>
+                </a:solidFill>
+                <a:hlinkClick r:id="rId7">
+                  <a:extLst>
+                    <a:ext uri="{A12FA001-AC4F-418D-AE19-62706E023703}">
+                      <ahyp:hlinkClr xmlns:ahyp="http://schemas.microsoft.com/office/drawing/2018/hyperlinkcolor" val="tx"/>
+                    </a:ext>
+                  </a:extLst>
+                </a:hlinkClick>
+              </a:rPr>
+              <a:t>https://date-fns.org</a:t>
+            </a:r>
+            <a:endParaRPr lang="pt-BR" dirty="0">
+              <a:solidFill>
+                <a:srgbClr val="D73628"/>
+              </a:solidFill>
+            </a:endParaRPr>
+          </a:p>
+          <a:p>
+            <a:pPr>
+              <a:lnSpc>
+                <a:spcPct val="150000"/>
+              </a:lnSpc>
+            </a:pPr>
+            <a:r>
+              <a:rPr lang="pt-BR" dirty="0">
+                <a:solidFill>
+                  <a:schemeClr val="bg1"/>
+                </a:solidFill>
+              </a:rPr>
+              <a:t>Requisitos</a:t>
+            </a:r>
+          </a:p>
+          <a:p>
+            <a:pPr lvl="1">
+              <a:lnSpc>
+                <a:spcPct val="150000"/>
+              </a:lnSpc>
+            </a:pPr>
+            <a:r>
+              <a:rPr lang="pt-BR" dirty="0">
+                <a:solidFill>
+                  <a:schemeClr val="bg1"/>
+                </a:solidFill>
+              </a:rPr>
+              <a:t>Ter familiaridade com HTML, CSS e </a:t>
+            </a:r>
+            <a:r>
+              <a:rPr lang="pt-BR" dirty="0" err="1">
+                <a:solidFill>
+                  <a:schemeClr val="bg1"/>
+                </a:solidFill>
+              </a:rPr>
+              <a:t>JavaScript</a:t>
+            </a:r>
+            <a:r>
+              <a:rPr lang="pt-BR" dirty="0">
+                <a:solidFill>
+                  <a:schemeClr val="bg1"/>
+                </a:solidFill>
+              </a:rPr>
+              <a:t>;</a:t>
+            </a:r>
+          </a:p>
+          <a:p>
+            <a:pPr marL="457200" lvl="0" indent="-342900" algn="l" rtl="0">
+              <a:lnSpc>
+                <a:spcPct val="150000"/>
+              </a:lnSpc>
+              <a:spcBef>
+                <a:spcPts val="0"/>
+              </a:spcBef>
+              <a:spcAft>
+                <a:spcPts val="0"/>
+              </a:spcAft>
+              <a:buSzPts val="1800"/>
+              <a:buChar char="●"/>
+            </a:pPr>
+            <a:r>
+              <a:rPr lang="pt-BR" dirty="0"/>
+              <a:t>Ambiente e recursos necessários:</a:t>
+            </a:r>
+          </a:p>
+          <a:p>
+            <a:pPr marL="914400" lvl="1" indent="-317500" algn="l" rtl="0">
+              <a:lnSpc>
+                <a:spcPct val="150000"/>
+              </a:lnSpc>
+              <a:spcBef>
+                <a:spcPts val="0"/>
+              </a:spcBef>
+              <a:spcAft>
+                <a:spcPts val="0"/>
+              </a:spcAft>
+              <a:buSzPts val="1400"/>
+              <a:buChar char="○"/>
+            </a:pPr>
+            <a:r>
+              <a:rPr lang="pt-BR" dirty="0">
+                <a:solidFill>
+                  <a:schemeClr val="bg1"/>
+                </a:solidFill>
+              </a:rPr>
+              <a:t>Node 16.13.1 (LTS);</a:t>
+            </a:r>
+          </a:p>
+          <a:p>
+            <a:pPr marL="914400" lvl="1" indent="-317500" algn="l" rtl="0">
+              <a:lnSpc>
+                <a:spcPct val="150000"/>
+              </a:lnSpc>
+              <a:spcBef>
+                <a:spcPts val="0"/>
+              </a:spcBef>
+              <a:spcAft>
+                <a:spcPts val="0"/>
+              </a:spcAft>
+              <a:buSzPts val="1400"/>
+              <a:buChar char="○"/>
+            </a:pPr>
+            <a:r>
+              <a:rPr lang="pt-BR" dirty="0">
+                <a:solidFill>
+                  <a:schemeClr val="bg1"/>
+                </a:solidFill>
+              </a:rPr>
+              <a:t>Seu editor de código de preferência (No meu caso, Visual Studio </a:t>
+            </a:r>
+            <a:r>
+              <a:rPr lang="pt-BR" dirty="0" err="1">
+                <a:solidFill>
+                  <a:schemeClr val="bg1"/>
+                </a:solidFill>
+              </a:rPr>
+              <a:t>Code</a:t>
+            </a:r>
+            <a:r>
+              <a:rPr lang="pt-BR" dirty="0">
+                <a:solidFill>
+                  <a:schemeClr val="bg1"/>
+                </a:solidFill>
+              </a:rPr>
+              <a:t>);</a:t>
+            </a:r>
+          </a:p>
+          <a:p>
+            <a:pPr marL="914400" lvl="1" indent="-317500" algn="l" rtl="0">
+              <a:lnSpc>
+                <a:spcPct val="150000"/>
+              </a:lnSpc>
+              <a:spcBef>
+                <a:spcPts val="0"/>
+              </a:spcBef>
+              <a:spcAft>
+                <a:spcPts val="0"/>
+              </a:spcAft>
+              <a:buSzPts val="1400"/>
+              <a:buChar char="○"/>
+            </a:pPr>
+            <a:r>
+              <a:rPr lang="pt-BR" dirty="0">
+                <a:solidFill>
+                  <a:schemeClr val="bg1"/>
+                </a:solidFill>
+              </a:rPr>
+              <a:t>Vontade de aprender :D</a:t>
+            </a:r>
+          </a:p>
+        </p:txBody>
+      </p:sp>
+    </p:spTree>
+    <p:extLst>
+      <p:ext uri="{BB962C8B-B14F-4D97-AF65-F5344CB8AC3E}">
+        <p14:creationId xmlns:p14="http://schemas.microsoft.com/office/powerpoint/2010/main" val="753197449"/>
+      </p:ext>
+    </p:extLst>
+  </p:cSld>
+  <p:clrMapOvr>
+    <a:masterClrMapping/>
+  </p:clrMapOvr>
+</p:sld>
+</file>
+
+<file path=ppt/slides/slide7.xml><?xml version="1.0" encoding="utf-8"?>
+<p:sld xmlns:a="http://schemas.openxmlformats.org/drawingml/2006/main" xmlns:r="http://schemas.openxmlformats.org/officeDocument/2006/relationships" xmlns:p="http://schemas.openxmlformats.org/presentationml/2006/main">
+  <p:cSld>
+    <p:spTree>
+      <p:nvGrpSpPr>
+        <p:cNvPr id="1" name="Shape 69"/>
+        <p:cNvGrpSpPr/>
+        <p:nvPr/>
+      </p:nvGrpSpPr>
+      <p:grpSpPr>
+        <a:xfrm>
+          <a:off x="0" y="0"/>
+          <a:ext cx="0" cy="0"/>
+          <a:chOff x="0" y="0"/>
+          <a:chExt cx="0" cy="0"/>
+        </a:xfrm>
+      </p:grpSpPr>
+      <p:sp>
+        <p:nvSpPr>
+          <p:cNvPr id="70" name="Google Shape;70;p13"/>
+          <p:cNvSpPr txBox="1">
+            <a:spLocks noGrp="1"/>
+          </p:cNvSpPr>
+          <p:nvPr>
+            <p:ph type="title"/>
+          </p:nvPr>
+        </p:nvSpPr>
+        <p:spPr>
+          <a:xfrm>
+            <a:off x="585300" y="180625"/>
+            <a:ext cx="8247000" cy="572700"/>
+          </a:xfrm>
+          <a:prstGeom prst="rect">
+            <a:avLst/>
+          </a:prstGeom>
+        </p:spPr>
+        <p:txBody>
+          <a:bodyPr spcFirstLastPara="1" wrap="square" lIns="91425" tIns="91425" rIns="91425" bIns="91425" anchor="t" anchorCtr="0">
+            <a:normAutofit/>
+          </a:bodyPr>
+          <a:lstStyle/>
+          <a:p>
+            <a:pPr marL="0" lvl="0" indent="0" algn="l" rtl="0">
+              <a:spcBef>
+                <a:spcPts val="0"/>
+              </a:spcBef>
+              <a:spcAft>
+                <a:spcPts val="0"/>
+              </a:spcAft>
+              <a:buNone/>
+            </a:pPr>
+            <a:r>
+              <a:rPr lang="pt-BR" dirty="0"/>
               <a:t>Preparando ambiente</a:t>
             </a:r>
           </a:p>
@@ -5435,7 +5936,7 @@
 </p:sld>
 </file>
 
-<file path=ppt/slides/slide7.xml><?xml version="1.0" encoding="utf-8"?>
+<file path=ppt/slides/slide8.xml><?xml version="1.0" encoding="utf-8"?>
 <p:sld xmlns:a="http://schemas.openxmlformats.org/drawingml/2006/main" xmlns:r="http://schemas.openxmlformats.org/officeDocument/2006/relationships" xmlns:p="http://schemas.openxmlformats.org/presentationml/2006/main">
   <p:cSld>
     <p:spTree>

--- a/Apresentacao_Angular_Best_Practices.pptx
+++ b/Apresentacao_Angular_Best_Practices.pptx
@@ -4179,7 +4179,7 @@
             </a:pPr>
             <a:r>
               <a:rPr lang="pt-BR" dirty="0"/>
-              <a:t>15/01/2022</a:t>
+              <a:t>17/01/2022</a:t>
             </a:r>
             <a:endParaRPr dirty="0"/>
           </a:p>
